--- a/slides/03 Storage.pptx
+++ b/slides/03 Storage.pptx
@@ -244,7 +244,7 @@
           <a:p>
             <a:fld id="{45C4B567-25A3-8D4C-93E0-3FCE46A45992}" type="datetimeFigureOut">
               <a:rPr lang="it-IT" smtClean="0"/>
-              <a:t>10/06/18</a:t>
+              <a:t>12/06/18</a:t>
             </a:fld>
             <a:endParaRPr lang="it-IT"/>
           </a:p>
@@ -700,7 +700,7 @@
           <a:p>
             <a:fld id="{2601CE01-80F6-C248-A590-70F339FA21B3}" type="datetime1">
               <a:rPr lang="it-IT" smtClean="0"/>
-              <a:t>10/06/18</a:t>
+              <a:t>12/06/18</a:t>
             </a:fld>
             <a:endParaRPr lang="en-US" dirty="0"/>
           </a:p>
@@ -1038,7 +1038,7 @@
           <a:p>
             <a:fld id="{7F6BDEAA-F00E-184D-BCB9-26072218BD68}" type="datetime1">
               <a:rPr lang="it-IT" smtClean="0"/>
-              <a:t>10/06/18</a:t>
+              <a:t>12/06/18</a:t>
             </a:fld>
             <a:endParaRPr lang="en-US" dirty="0"/>
           </a:p>
@@ -1439,7 +1439,7 @@
           <a:p>
             <a:fld id="{7FFBC156-525D-2D4F-AA53-90FCC4A4A652}" type="datetime1">
               <a:rPr lang="it-IT" smtClean="0"/>
-              <a:t>10/06/18</a:t>
+              <a:t>12/06/18</a:t>
             </a:fld>
             <a:endParaRPr lang="en-US" dirty="0"/>
           </a:p>
@@ -1775,7 +1775,7 @@
           <a:p>
             <a:fld id="{B997B736-D586-3944-939D-3B0EBD27B803}" type="datetime1">
               <a:rPr lang="it-IT" smtClean="0"/>
-              <a:t>10/06/18</a:t>
+              <a:t>12/06/18</a:t>
             </a:fld>
             <a:endParaRPr lang="en-US" dirty="0"/>
           </a:p>
@@ -2095,7 +2095,7 @@
           <a:p>
             <a:fld id="{4FFE48FC-0E98-1540-81BD-9CFF37D6D71F}" type="datetime1">
               <a:rPr lang="it-IT" smtClean="0"/>
-              <a:t>10/06/18</a:t>
+              <a:t>12/06/18</a:t>
             </a:fld>
             <a:endParaRPr lang="en-US" dirty="0"/>
           </a:p>
@@ -2491,7 +2491,7 @@
           <a:p>
             <a:fld id="{31311ED6-D795-094D-93BF-B4CDE2797B63}" type="datetime1">
               <a:rPr lang="it-IT" smtClean="0"/>
-              <a:t>10/06/18</a:t>
+              <a:t>12/06/18</a:t>
             </a:fld>
             <a:endParaRPr lang="en-US" dirty="0"/>
           </a:p>
@@ -2748,7 +2748,7 @@
           <a:p>
             <a:fld id="{AD4C863A-9379-634C-955A-9E15722F80D0}" type="datetime1">
               <a:rPr lang="it-IT" smtClean="0"/>
-              <a:t>10/06/18</a:t>
+              <a:t>12/06/18</a:t>
             </a:fld>
             <a:endParaRPr lang="en-US" dirty="0"/>
           </a:p>
@@ -3010,7 +3010,7 @@
           <a:p>
             <a:fld id="{619DAAE9-83F1-A44D-956B-D8D004F30B50}" type="datetime1">
               <a:rPr lang="it-IT" smtClean="0"/>
-              <a:t>10/06/18</a:t>
+              <a:t>12/06/18</a:t>
             </a:fld>
             <a:endParaRPr lang="en-US" dirty="0"/>
           </a:p>
@@ -3272,7 +3272,7 @@
           <a:p>
             <a:fld id="{12FADF34-F6ED-764D-AB9C-0CA3DD6714F2}" type="datetime1">
               <a:rPr lang="it-IT" smtClean="0"/>
-              <a:t>10/06/18</a:t>
+              <a:t>12/06/18</a:t>
             </a:fld>
             <a:endParaRPr lang="en-US" dirty="0"/>
           </a:p>
@@ -3601,7 +3601,7 @@
           <a:p>
             <a:fld id="{03C2FBBF-9147-1048-8F1B-43359FBF7704}" type="datetime1">
               <a:rPr lang="it-IT" smtClean="0"/>
-              <a:t>10/06/18</a:t>
+              <a:t>12/06/18</a:t>
             </a:fld>
             <a:endParaRPr lang="en-US" dirty="0"/>
           </a:p>
@@ -3924,7 +3924,7 @@
           <a:p>
             <a:fld id="{FDBC9E8F-B7A9-E647-B489-D812A267E210}" type="datetime1">
               <a:rPr lang="it-IT" smtClean="0"/>
-              <a:t>10/06/18</a:t>
+              <a:t>12/06/18</a:t>
             </a:fld>
             <a:endParaRPr lang="en-US" dirty="0"/>
           </a:p>
@@ -4381,7 +4381,7 @@
           <a:p>
             <a:fld id="{692AA628-9264-3B49-AFF1-638AE9B998FD}" type="datetime1">
               <a:rPr lang="it-IT" smtClean="0"/>
-              <a:t>10/06/18</a:t>
+              <a:t>12/06/18</a:t>
             </a:fld>
             <a:endParaRPr lang="en-US" dirty="0"/>
           </a:p>
@@ -4586,7 +4586,7 @@
           <a:p>
             <a:fld id="{E390B7B3-437D-BC41-A147-46816859E440}" type="datetime1">
               <a:rPr lang="it-IT" smtClean="0"/>
-              <a:t>10/06/18</a:t>
+              <a:t>12/06/18</a:t>
             </a:fld>
             <a:endParaRPr lang="en-US" dirty="0"/>
           </a:p>
@@ -4763,7 +4763,7 @@
           <a:p>
             <a:fld id="{386BF708-07C7-734A-9BDD-03043652E280}" type="datetime1">
               <a:rPr lang="it-IT" smtClean="0"/>
-              <a:t>10/06/18</a:t>
+              <a:t>12/06/18</a:t>
             </a:fld>
             <a:endParaRPr lang="en-US" dirty="0"/>
           </a:p>
@@ -5096,7 +5096,7 @@
           <a:p>
             <a:fld id="{00E53CFC-F418-3646-8F2F-0C2E64C17FCE}" type="datetime1">
               <a:rPr lang="it-IT" smtClean="0"/>
-              <a:t>10/06/18</a:t>
+              <a:t>12/06/18</a:t>
             </a:fld>
             <a:endParaRPr lang="en-US" dirty="0"/>
           </a:p>
@@ -5441,7 +5441,7 @@
           <a:p>
             <a:fld id="{26D39D8D-4923-CA4C-A593-5758899EA4CE}" type="datetime1">
               <a:rPr lang="it-IT" smtClean="0"/>
-              <a:t>10/06/18</a:t>
+              <a:t>12/06/18</a:t>
             </a:fld>
             <a:endParaRPr lang="en-US" dirty="0"/>
           </a:p>
@@ -7558,7 +7558,7 @@
           <a:p>
             <a:fld id="{62969995-3100-9D4F-B93A-1303FDA3DE7D}" type="datetime1">
               <a:rPr lang="it-IT" smtClean="0"/>
-              <a:t>10/06/18</a:t>
+              <a:t>12/06/18</a:t>
             </a:fld>
             <a:endParaRPr lang="en-US" dirty="0"/>
           </a:p>
@@ -8245,6 +8245,15 @@
           </a:p>
           <a:p>
             <a:r>
+              <a:rPr lang="it-IT" dirty="0">
+                <a:hlinkClick r:id="rId2"/>
+              </a:rPr>
+              <a:t>https://docs.microsoft.com/it-it/azure/app-service/app-service-web-tutorial-dotnetcore-sqldb</a:t>
+            </a:r>
+            <a:endParaRPr lang="it-IT" dirty="0"/>
+          </a:p>
+          <a:p>
+            <a:r>
               <a:rPr lang="it-IT" dirty="0" err="1"/>
               <a:t>https</a:t>
             </a:r>
@@ -8294,17 +8303,12 @@
             </a:r>
             <a:r>
               <a:rPr lang="it-IT" dirty="0" err="1"/>
-              <a:t>dotnetcore</a:t>
-            </a:r>
-            <a:r>
-              <a:rPr lang="it-IT" dirty="0"/>
-              <a:t>-</a:t>
-            </a:r>
-            <a:r>
-              <a:rPr lang="it-IT" dirty="0" err="1"/>
-              <a:t>sqldb</a:t>
-            </a:r>
-            <a:endParaRPr lang="it-IT" dirty="0"/>
+              <a:t>rest</a:t>
+            </a:r>
+            <a:r>
+              <a:rPr lang="it-IT" dirty="0"/>
+              <a:t>-api</a:t>
+            </a:r>
           </a:p>
         </p:txBody>
       </p:sp>
@@ -8331,7 +8335,7 @@
           <a:p>
             <a:fld id="{12FADF34-F6ED-764D-AB9C-0CA3DD6714F2}" type="datetime1">
               <a:rPr lang="it-IT" smtClean="0"/>
-              <a:t>10/06/18</a:t>
+              <a:t>12/06/18</a:t>
             </a:fld>
             <a:endParaRPr lang="en-US" dirty="0"/>
           </a:p>
@@ -8610,7 +8614,7 @@
           <a:p>
             <a:fld id="{12FADF34-F6ED-764D-AB9C-0CA3DD6714F2}" type="datetime1">
               <a:rPr lang="it-IT" smtClean="0"/>
-              <a:t>10/06/18</a:t>
+              <a:t>12/06/18</a:t>
             </a:fld>
             <a:endParaRPr lang="en-US" dirty="0"/>
           </a:p>
@@ -8952,7 +8956,7 @@
           <a:p>
             <a:fld id="{12FADF34-F6ED-764D-AB9C-0CA3DD6714F2}" type="datetime1">
               <a:rPr lang="it-IT" smtClean="0"/>
-              <a:t>10/06/18</a:t>
+              <a:t>12/06/18</a:t>
             </a:fld>
             <a:endParaRPr lang="en-US" dirty="0"/>
           </a:p>
@@ -9199,7 +9203,7 @@
           <a:p>
             <a:fld id="{12FADF34-F6ED-764D-AB9C-0CA3DD6714F2}" type="datetime1">
               <a:rPr lang="it-IT" smtClean="0"/>
-              <a:t>10/06/18</a:t>
+              <a:t>12/06/18</a:t>
             </a:fld>
             <a:endParaRPr lang="en-US" dirty="0"/>
           </a:p>
@@ -9331,10 +9335,7 @@
               <a:rPr lang="it-IT" dirty="0" err="1"/>
               <a:t>storage</a:t>
             </a:r>
-            <a:r>
-              <a:rPr lang="it-IT" dirty="0"/>
-              <a:t> (opzionale)</a:t>
-            </a:r>
+            <a:endParaRPr lang="it-IT" dirty="0"/>
           </a:p>
         </p:txBody>
       </p:sp>
@@ -9454,7 +9455,7 @@
           <a:p>
             <a:fld id="{12FADF34-F6ED-764D-AB9C-0CA3DD6714F2}" type="datetime1">
               <a:rPr lang="it-IT" smtClean="0"/>
-              <a:t>10/06/18</a:t>
+              <a:t>12/06/18</a:t>
             </a:fld>
             <a:endParaRPr lang="en-US" dirty="0"/>
           </a:p>
@@ -9698,7 +9699,7 @@
           <a:p>
             <a:fld id="{12FADF34-F6ED-764D-AB9C-0CA3DD6714F2}" type="datetime1">
               <a:rPr lang="it-IT" smtClean="0"/>
-              <a:t>10/06/18</a:t>
+              <a:t>12/06/18</a:t>
             </a:fld>
             <a:endParaRPr lang="en-US" dirty="0"/>
           </a:p>
@@ -9945,7 +9946,7 @@
           <a:p>
             <a:fld id="{12FADF34-F6ED-764D-AB9C-0CA3DD6714F2}" type="datetime1">
               <a:rPr lang="it-IT" smtClean="0"/>
-              <a:t>10/06/18</a:t>
+              <a:t>12/06/18</a:t>
             </a:fld>
             <a:endParaRPr lang="en-US" dirty="0"/>
           </a:p>
@@ -10267,7 +10268,7 @@
           <a:p>
             <a:fld id="{12FADF34-F6ED-764D-AB9C-0CA3DD6714F2}" type="datetime1">
               <a:rPr lang="it-IT" smtClean="0"/>
-              <a:t>10/06/18</a:t>
+              <a:t>12/06/18</a:t>
             </a:fld>
             <a:endParaRPr lang="en-US" dirty="0"/>
           </a:p>
@@ -10520,7 +10521,7 @@
           <a:p>
             <a:fld id="{12FADF34-F6ED-764D-AB9C-0CA3DD6714F2}" type="datetime1">
               <a:rPr lang="it-IT" smtClean="0"/>
-              <a:t>10/06/18</a:t>
+              <a:t>12/06/18</a:t>
             </a:fld>
             <a:endParaRPr lang="en-US" dirty="0"/>
           </a:p>
@@ -10823,7 +10824,7 @@
           <a:p>
             <a:fld id="{12FADF34-F6ED-764D-AB9C-0CA3DD6714F2}" type="datetime1">
               <a:rPr lang="it-IT" smtClean="0"/>
-              <a:t>10/06/18</a:t>
+              <a:t>12/06/18</a:t>
             </a:fld>
             <a:endParaRPr lang="en-US" dirty="0"/>
           </a:p>
@@ -11534,7 +11535,7 @@
           <a:p>
             <a:fld id="{12FADF34-F6ED-764D-AB9C-0CA3DD6714F2}" type="datetime1">
               <a:rPr lang="it-IT" smtClean="0"/>
-              <a:t>10/06/18</a:t>
+              <a:t>12/06/18</a:t>
             </a:fld>
             <a:endParaRPr lang="en-US" dirty="0"/>
           </a:p>
@@ -11749,7 +11750,7 @@
           <a:p>
             <a:fld id="{12FADF34-F6ED-764D-AB9C-0CA3DD6714F2}" type="datetime1">
               <a:rPr lang="it-IT" smtClean="0"/>
-              <a:t>10/06/18</a:t>
+              <a:t>12/06/18</a:t>
             </a:fld>
             <a:endParaRPr lang="en-US" dirty="0"/>
           </a:p>
@@ -12073,7 +12074,7 @@
                   <a:spcPts val="600"/>
                 </a:spcAft>
               </a:pPr>
-              <a:t>2</a:t>
+              <a:t>4</a:t>
             </a:fld>
             <a:endParaRPr lang="en-US" sz="900">
               <a:solidFill>
@@ -12171,7 +12172,7 @@
                   <a:spcPts val="600"/>
                 </a:spcAft>
               </a:pPr>
-              <a:t>10/06/18</a:t>
+              <a:t>12/06/18</a:t>
             </a:fld>
             <a:endParaRPr lang="en-US">
               <a:solidFill>
@@ -12433,7 +12434,7 @@
           <a:p>
             <a:fld id="{12FADF34-F6ED-764D-AB9C-0CA3DD6714F2}" type="datetime1">
               <a:rPr lang="it-IT" smtClean="0"/>
-              <a:t>10/06/18</a:t>
+              <a:t>12/06/18</a:t>
             </a:fld>
             <a:endParaRPr lang="en-US" dirty="0"/>
           </a:p>
@@ -12680,7 +12681,7 @@
           <a:p>
             <a:fld id="{12FADF34-F6ED-764D-AB9C-0CA3DD6714F2}" type="datetime1">
               <a:rPr lang="it-IT" smtClean="0"/>
-              <a:t>10/06/18</a:t>
+              <a:t>12/06/18</a:t>
             </a:fld>
             <a:endParaRPr lang="en-US" dirty="0"/>
           </a:p>
@@ -12825,6 +12826,15 @@
           <a:lstStyle/>
           <a:p>
             <a:r>
+              <a:rPr lang="it-IT" dirty="0">
+                <a:hlinkClick r:id="rId2"/>
+              </a:rPr>
+              <a:t>https://azure.microsoft.com/it-it/services/sql-database/</a:t>
+            </a:r>
+            <a:endParaRPr lang="it-IT" dirty="0"/>
+          </a:p>
+          <a:p>
+            <a:r>
               <a:rPr lang="it-IT" dirty="0" err="1"/>
               <a:t>https</a:t>
             </a:r>
@@ -12834,7 +12844,7 @@
             </a:r>
             <a:r>
               <a:rPr lang="it-IT" dirty="0" err="1"/>
-              <a:t>azure.microsoft.com</a:t>
+              <a:t>docs.microsoft.com</a:t>
             </a:r>
             <a:r>
               <a:rPr lang="it-IT" dirty="0"/>
@@ -12850,7 +12860,7 @@
             </a:r>
             <a:r>
               <a:rPr lang="it-IT" dirty="0" err="1"/>
-              <a:t>services</a:t>
+              <a:t>azure</a:t>
             </a:r>
             <a:r>
               <a:rPr lang="it-IT" dirty="0"/>
@@ -12864,6 +12874,27 @@
               <a:rPr lang="it-IT" dirty="0"/>
               <a:t>-database/</a:t>
             </a:r>
+            <a:r>
+              <a:rPr lang="it-IT" dirty="0" err="1"/>
+              <a:t>sql</a:t>
+            </a:r>
+            <a:r>
+              <a:rPr lang="it-IT" dirty="0"/>
+              <a:t>-database-</a:t>
+            </a:r>
+            <a:r>
+              <a:rPr lang="it-IT" dirty="0" err="1"/>
+              <a:t>get</a:t>
+            </a:r>
+            <a:r>
+              <a:rPr lang="it-IT" dirty="0"/>
+              <a:t>-</a:t>
+            </a:r>
+            <a:r>
+              <a:rPr lang="it-IT" dirty="0" err="1"/>
+              <a:t>started-portal</a:t>
+            </a:r>
+            <a:endParaRPr lang="it-IT" dirty="0"/>
           </a:p>
         </p:txBody>
       </p:sp>
@@ -12890,7 +12921,7 @@
           <a:p>
             <a:fld id="{12FADF34-F6ED-764D-AB9C-0CA3DD6714F2}" type="datetime1">
               <a:rPr lang="it-IT" smtClean="0"/>
-              <a:t>10/06/18</a:t>
+              <a:t>12/06/18</a:t>
             </a:fld>
             <a:endParaRPr lang="en-US" dirty="0"/>
           </a:p>
@@ -13145,7 +13176,7 @@
           <a:p>
             <a:fld id="{12FADF34-F6ED-764D-AB9C-0CA3DD6714F2}" type="datetime1">
               <a:rPr lang="it-IT" smtClean="0"/>
-              <a:t>10/06/18</a:t>
+              <a:t>12/06/18</a:t>
             </a:fld>
             <a:endParaRPr lang="en-US" dirty="0"/>
           </a:p>
@@ -13402,7 +13433,7 @@
           <a:p>
             <a:fld id="{12FADF34-F6ED-764D-AB9C-0CA3DD6714F2}" type="datetime1">
               <a:rPr lang="it-IT" smtClean="0"/>
-              <a:t>10/06/18</a:t>
+              <a:t>12/06/18</a:t>
             </a:fld>
             <a:endParaRPr lang="en-US" dirty="0"/>
           </a:p>

--- a/slides/03 Storage.pptx
+++ b/slides/03 Storage.pptx
@@ -244,7 +244,7 @@
           <a:p>
             <a:fld id="{45C4B567-25A3-8D4C-93E0-3FCE46A45992}" type="datetimeFigureOut">
               <a:rPr lang="it-IT" smtClean="0"/>
-              <a:t>12/06/18</a:t>
+              <a:t>13/06/18</a:t>
             </a:fld>
             <a:endParaRPr lang="it-IT"/>
           </a:p>
@@ -700,7 +700,7 @@
           <a:p>
             <a:fld id="{2601CE01-80F6-C248-A590-70F339FA21B3}" type="datetime1">
               <a:rPr lang="it-IT" smtClean="0"/>
-              <a:t>12/06/18</a:t>
+              <a:t>13/06/18</a:t>
             </a:fld>
             <a:endParaRPr lang="en-US" dirty="0"/>
           </a:p>
@@ -1038,7 +1038,7 @@
           <a:p>
             <a:fld id="{7F6BDEAA-F00E-184D-BCB9-26072218BD68}" type="datetime1">
               <a:rPr lang="it-IT" smtClean="0"/>
-              <a:t>12/06/18</a:t>
+              <a:t>13/06/18</a:t>
             </a:fld>
             <a:endParaRPr lang="en-US" dirty="0"/>
           </a:p>
@@ -1439,7 +1439,7 @@
           <a:p>
             <a:fld id="{7FFBC156-525D-2D4F-AA53-90FCC4A4A652}" type="datetime1">
               <a:rPr lang="it-IT" smtClean="0"/>
-              <a:t>12/06/18</a:t>
+              <a:t>13/06/18</a:t>
             </a:fld>
             <a:endParaRPr lang="en-US" dirty="0"/>
           </a:p>
@@ -1775,7 +1775,7 @@
           <a:p>
             <a:fld id="{B997B736-D586-3944-939D-3B0EBD27B803}" type="datetime1">
               <a:rPr lang="it-IT" smtClean="0"/>
-              <a:t>12/06/18</a:t>
+              <a:t>13/06/18</a:t>
             </a:fld>
             <a:endParaRPr lang="en-US" dirty="0"/>
           </a:p>
@@ -2095,7 +2095,7 @@
           <a:p>
             <a:fld id="{4FFE48FC-0E98-1540-81BD-9CFF37D6D71F}" type="datetime1">
               <a:rPr lang="it-IT" smtClean="0"/>
-              <a:t>12/06/18</a:t>
+              <a:t>13/06/18</a:t>
             </a:fld>
             <a:endParaRPr lang="en-US" dirty="0"/>
           </a:p>
@@ -2491,7 +2491,7 @@
           <a:p>
             <a:fld id="{31311ED6-D795-094D-93BF-B4CDE2797B63}" type="datetime1">
               <a:rPr lang="it-IT" smtClean="0"/>
-              <a:t>12/06/18</a:t>
+              <a:t>13/06/18</a:t>
             </a:fld>
             <a:endParaRPr lang="en-US" dirty="0"/>
           </a:p>
@@ -2748,7 +2748,7 @@
           <a:p>
             <a:fld id="{AD4C863A-9379-634C-955A-9E15722F80D0}" type="datetime1">
               <a:rPr lang="it-IT" smtClean="0"/>
-              <a:t>12/06/18</a:t>
+              <a:t>13/06/18</a:t>
             </a:fld>
             <a:endParaRPr lang="en-US" dirty="0"/>
           </a:p>
@@ -3010,7 +3010,7 @@
           <a:p>
             <a:fld id="{619DAAE9-83F1-A44D-956B-D8D004F30B50}" type="datetime1">
               <a:rPr lang="it-IT" smtClean="0"/>
-              <a:t>12/06/18</a:t>
+              <a:t>13/06/18</a:t>
             </a:fld>
             <a:endParaRPr lang="en-US" dirty="0"/>
           </a:p>
@@ -3272,7 +3272,7 @@
           <a:p>
             <a:fld id="{12FADF34-F6ED-764D-AB9C-0CA3DD6714F2}" type="datetime1">
               <a:rPr lang="it-IT" smtClean="0"/>
-              <a:t>12/06/18</a:t>
+              <a:t>13/06/18</a:t>
             </a:fld>
             <a:endParaRPr lang="en-US" dirty="0"/>
           </a:p>
@@ -3601,7 +3601,7 @@
           <a:p>
             <a:fld id="{03C2FBBF-9147-1048-8F1B-43359FBF7704}" type="datetime1">
               <a:rPr lang="it-IT" smtClean="0"/>
-              <a:t>12/06/18</a:t>
+              <a:t>13/06/18</a:t>
             </a:fld>
             <a:endParaRPr lang="en-US" dirty="0"/>
           </a:p>
@@ -3924,7 +3924,7 @@
           <a:p>
             <a:fld id="{FDBC9E8F-B7A9-E647-B489-D812A267E210}" type="datetime1">
               <a:rPr lang="it-IT" smtClean="0"/>
-              <a:t>12/06/18</a:t>
+              <a:t>13/06/18</a:t>
             </a:fld>
             <a:endParaRPr lang="en-US" dirty="0"/>
           </a:p>
@@ -4381,7 +4381,7 @@
           <a:p>
             <a:fld id="{692AA628-9264-3B49-AFF1-638AE9B998FD}" type="datetime1">
               <a:rPr lang="it-IT" smtClean="0"/>
-              <a:t>12/06/18</a:t>
+              <a:t>13/06/18</a:t>
             </a:fld>
             <a:endParaRPr lang="en-US" dirty="0"/>
           </a:p>
@@ -4586,7 +4586,7 @@
           <a:p>
             <a:fld id="{E390B7B3-437D-BC41-A147-46816859E440}" type="datetime1">
               <a:rPr lang="it-IT" smtClean="0"/>
-              <a:t>12/06/18</a:t>
+              <a:t>13/06/18</a:t>
             </a:fld>
             <a:endParaRPr lang="en-US" dirty="0"/>
           </a:p>
@@ -4763,7 +4763,7 @@
           <a:p>
             <a:fld id="{386BF708-07C7-734A-9BDD-03043652E280}" type="datetime1">
               <a:rPr lang="it-IT" smtClean="0"/>
-              <a:t>12/06/18</a:t>
+              <a:t>13/06/18</a:t>
             </a:fld>
             <a:endParaRPr lang="en-US" dirty="0"/>
           </a:p>
@@ -5096,7 +5096,7 @@
           <a:p>
             <a:fld id="{00E53CFC-F418-3646-8F2F-0C2E64C17FCE}" type="datetime1">
               <a:rPr lang="it-IT" smtClean="0"/>
-              <a:t>12/06/18</a:t>
+              <a:t>13/06/18</a:t>
             </a:fld>
             <a:endParaRPr lang="en-US" dirty="0"/>
           </a:p>
@@ -5441,7 +5441,7 @@
           <a:p>
             <a:fld id="{26D39D8D-4923-CA4C-A593-5758899EA4CE}" type="datetime1">
               <a:rPr lang="it-IT" smtClean="0"/>
-              <a:t>12/06/18</a:t>
+              <a:t>13/06/18</a:t>
             </a:fld>
             <a:endParaRPr lang="en-US" dirty="0"/>
           </a:p>
@@ -7558,7 +7558,7 @@
           <a:p>
             <a:fld id="{62969995-3100-9D4F-B93A-1303FDA3DE7D}" type="datetime1">
               <a:rPr lang="it-IT" smtClean="0"/>
-              <a:t>12/06/18</a:t>
+              <a:t>13/06/18</a:t>
             </a:fld>
             <a:endParaRPr lang="en-US" dirty="0"/>
           </a:p>
@@ -8335,7 +8335,7 @@
           <a:p>
             <a:fld id="{12FADF34-F6ED-764D-AB9C-0CA3DD6714F2}" type="datetime1">
               <a:rPr lang="it-IT" smtClean="0"/>
-              <a:t>12/06/18</a:t>
+              <a:t>13/06/18</a:t>
             </a:fld>
             <a:endParaRPr lang="en-US" dirty="0"/>
           </a:p>
@@ -8614,7 +8614,7 @@
           <a:p>
             <a:fld id="{12FADF34-F6ED-764D-AB9C-0CA3DD6714F2}" type="datetime1">
               <a:rPr lang="it-IT" smtClean="0"/>
-              <a:t>12/06/18</a:t>
+              <a:t>13/06/18</a:t>
             </a:fld>
             <a:endParaRPr lang="en-US" dirty="0"/>
           </a:p>
@@ -8956,7 +8956,7 @@
           <a:p>
             <a:fld id="{12FADF34-F6ED-764D-AB9C-0CA3DD6714F2}" type="datetime1">
               <a:rPr lang="it-IT" smtClean="0"/>
-              <a:t>12/06/18</a:t>
+              <a:t>13/06/18</a:t>
             </a:fld>
             <a:endParaRPr lang="en-US" dirty="0"/>
           </a:p>
@@ -9203,7 +9203,7 @@
           <a:p>
             <a:fld id="{12FADF34-F6ED-764D-AB9C-0CA3DD6714F2}" type="datetime1">
               <a:rPr lang="it-IT" smtClean="0"/>
-              <a:t>12/06/18</a:t>
+              <a:t>13/06/18</a:t>
             </a:fld>
             <a:endParaRPr lang="en-US" dirty="0"/>
           </a:p>
@@ -9455,7 +9455,7 @@
           <a:p>
             <a:fld id="{12FADF34-F6ED-764D-AB9C-0CA3DD6714F2}" type="datetime1">
               <a:rPr lang="it-IT" smtClean="0"/>
-              <a:t>12/06/18</a:t>
+              <a:t>13/06/18</a:t>
             </a:fld>
             <a:endParaRPr lang="en-US" dirty="0"/>
           </a:p>
@@ -9699,7 +9699,7 @@
           <a:p>
             <a:fld id="{12FADF34-F6ED-764D-AB9C-0CA3DD6714F2}" type="datetime1">
               <a:rPr lang="it-IT" smtClean="0"/>
-              <a:t>12/06/18</a:t>
+              <a:t>13/06/18</a:t>
             </a:fld>
             <a:endParaRPr lang="en-US" dirty="0"/>
           </a:p>
@@ -9946,7 +9946,7 @@
           <a:p>
             <a:fld id="{12FADF34-F6ED-764D-AB9C-0CA3DD6714F2}" type="datetime1">
               <a:rPr lang="it-IT" smtClean="0"/>
-              <a:t>12/06/18</a:t>
+              <a:t>13/06/18</a:t>
             </a:fld>
             <a:endParaRPr lang="en-US" dirty="0"/>
           </a:p>
@@ -10268,7 +10268,7 @@
           <a:p>
             <a:fld id="{12FADF34-F6ED-764D-AB9C-0CA3DD6714F2}" type="datetime1">
               <a:rPr lang="it-IT" smtClean="0"/>
-              <a:t>12/06/18</a:t>
+              <a:t>13/06/18</a:t>
             </a:fld>
             <a:endParaRPr lang="en-US" dirty="0"/>
           </a:p>
@@ -10521,7 +10521,7 @@
           <a:p>
             <a:fld id="{12FADF34-F6ED-764D-AB9C-0CA3DD6714F2}" type="datetime1">
               <a:rPr lang="it-IT" smtClean="0"/>
-              <a:t>12/06/18</a:t>
+              <a:t>13/06/18</a:t>
             </a:fld>
             <a:endParaRPr lang="en-US" dirty="0"/>
           </a:p>
@@ -10824,7 +10824,7 @@
           <a:p>
             <a:fld id="{12FADF34-F6ED-764D-AB9C-0CA3DD6714F2}" type="datetime1">
               <a:rPr lang="it-IT" smtClean="0"/>
-              <a:t>12/06/18</a:t>
+              <a:t>13/06/18</a:t>
             </a:fld>
             <a:endParaRPr lang="en-US" dirty="0"/>
           </a:p>
@@ -11535,7 +11535,7 @@
           <a:p>
             <a:fld id="{12FADF34-F6ED-764D-AB9C-0CA3DD6714F2}" type="datetime1">
               <a:rPr lang="it-IT" smtClean="0"/>
-              <a:t>12/06/18</a:t>
+              <a:t>13/06/18</a:t>
             </a:fld>
             <a:endParaRPr lang="en-US" dirty="0"/>
           </a:p>
@@ -11750,7 +11750,7 @@
           <a:p>
             <a:fld id="{12FADF34-F6ED-764D-AB9C-0CA3DD6714F2}" type="datetime1">
               <a:rPr lang="it-IT" smtClean="0"/>
-              <a:t>12/06/18</a:t>
+              <a:t>13/06/18</a:t>
             </a:fld>
             <a:endParaRPr lang="en-US" dirty="0"/>
           </a:p>
@@ -12172,7 +12172,7 @@
                   <a:spcPts val="600"/>
                 </a:spcAft>
               </a:pPr>
-              <a:t>12/06/18</a:t>
+              <a:t>13/06/18</a:t>
             </a:fld>
             <a:endParaRPr lang="en-US">
               <a:solidFill>
@@ -12434,7 +12434,7 @@
           <a:p>
             <a:fld id="{12FADF34-F6ED-764D-AB9C-0CA3DD6714F2}" type="datetime1">
               <a:rPr lang="it-IT" smtClean="0"/>
-              <a:t>12/06/18</a:t>
+              <a:t>13/06/18</a:t>
             </a:fld>
             <a:endParaRPr lang="en-US" dirty="0"/>
           </a:p>
@@ -12681,7 +12681,7 @@
           <a:p>
             <a:fld id="{12FADF34-F6ED-764D-AB9C-0CA3DD6714F2}" type="datetime1">
               <a:rPr lang="it-IT" smtClean="0"/>
-              <a:t>12/06/18</a:t>
+              <a:t>13/06/18</a:t>
             </a:fld>
             <a:endParaRPr lang="en-US" dirty="0"/>
           </a:p>
@@ -12921,7 +12921,7 @@
           <a:p>
             <a:fld id="{12FADF34-F6ED-764D-AB9C-0CA3DD6714F2}" type="datetime1">
               <a:rPr lang="it-IT" smtClean="0"/>
-              <a:t>12/06/18</a:t>
+              <a:t>13/06/18</a:t>
             </a:fld>
             <a:endParaRPr lang="en-US" dirty="0"/>
           </a:p>
@@ -13176,7 +13176,7 @@
           <a:p>
             <a:fld id="{12FADF34-F6ED-764D-AB9C-0CA3DD6714F2}" type="datetime1">
               <a:rPr lang="it-IT" smtClean="0"/>
-              <a:t>12/06/18</a:t>
+              <a:t>13/06/18</a:t>
             </a:fld>
             <a:endParaRPr lang="en-US" dirty="0"/>
           </a:p>
@@ -13433,7 +13433,7 @@
           <a:p>
             <a:fld id="{12FADF34-F6ED-764D-AB9C-0CA3DD6714F2}" type="datetime1">
               <a:rPr lang="it-IT" smtClean="0"/>
-              <a:t>12/06/18</a:t>
+              <a:t>13/06/18</a:t>
             </a:fld>
             <a:endParaRPr lang="en-US" dirty="0"/>
           </a:p>
